--- a/Balmorel_guidance.pptx
+++ b/Balmorel_guidance.pptx
@@ -8,10 +8,13 @@
     <p:sldId id="256" r:id="rId2"/>
     <p:sldId id="257" r:id="rId3"/>
     <p:sldId id="258" r:id="rId4"/>
-    <p:sldId id="260" r:id="rId5"/>
-    <p:sldId id="259" r:id="rId6"/>
-    <p:sldId id="261" r:id="rId7"/>
-    <p:sldId id="262" r:id="rId8"/>
+    <p:sldId id="259" r:id="rId5"/>
+    <p:sldId id="261" r:id="rId6"/>
+    <p:sldId id="262" r:id="rId7"/>
+    <p:sldId id="265" r:id="rId8"/>
+    <p:sldId id="264" r:id="rId9"/>
+    <p:sldId id="263" r:id="rId10"/>
+    <p:sldId id="266" r:id="rId11"/>
   </p:sldIdLst>
   <p:sldSz cx="12192000" cy="6858000"/>
   <p:notesSz cx="6858000" cy="9144000"/>
@@ -249,7 +252,7 @@
           <a:p>
             <a:fld id="{988392CD-777A-4CC9-8669-EE726A9008C5}" type="datetimeFigureOut">
               <a:rPr lang="en-US" smtClean="0"/>
-              <a:t>11/17/2020</a:t>
+              <a:t>11/18/2020</a:t>
             </a:fld>
             <a:endParaRPr lang="en-US"/>
           </a:p>
@@ -419,7 +422,7 @@
           <a:p>
             <a:fld id="{988392CD-777A-4CC9-8669-EE726A9008C5}" type="datetimeFigureOut">
               <a:rPr lang="en-US" smtClean="0"/>
-              <a:t>11/17/2020</a:t>
+              <a:t>11/18/2020</a:t>
             </a:fld>
             <a:endParaRPr lang="en-US"/>
           </a:p>
@@ -599,7 +602,7 @@
           <a:p>
             <a:fld id="{988392CD-777A-4CC9-8669-EE726A9008C5}" type="datetimeFigureOut">
               <a:rPr lang="en-US" smtClean="0"/>
-              <a:t>11/17/2020</a:t>
+              <a:t>11/18/2020</a:t>
             </a:fld>
             <a:endParaRPr lang="en-US"/>
           </a:p>
@@ -769,7 +772,7 @@
           <a:p>
             <a:fld id="{988392CD-777A-4CC9-8669-EE726A9008C5}" type="datetimeFigureOut">
               <a:rPr lang="en-US" smtClean="0"/>
-              <a:t>11/17/2020</a:t>
+              <a:t>11/18/2020</a:t>
             </a:fld>
             <a:endParaRPr lang="en-US"/>
           </a:p>
@@ -1015,7 +1018,7 @@
           <a:p>
             <a:fld id="{988392CD-777A-4CC9-8669-EE726A9008C5}" type="datetimeFigureOut">
               <a:rPr lang="en-US" smtClean="0"/>
-              <a:t>11/17/2020</a:t>
+              <a:t>11/18/2020</a:t>
             </a:fld>
             <a:endParaRPr lang="en-US"/>
           </a:p>
@@ -1247,7 +1250,7 @@
           <a:p>
             <a:fld id="{988392CD-777A-4CC9-8669-EE726A9008C5}" type="datetimeFigureOut">
               <a:rPr lang="en-US" smtClean="0"/>
-              <a:t>11/17/2020</a:t>
+              <a:t>11/18/2020</a:t>
             </a:fld>
             <a:endParaRPr lang="en-US"/>
           </a:p>
@@ -1614,7 +1617,7 @@
           <a:p>
             <a:fld id="{988392CD-777A-4CC9-8669-EE726A9008C5}" type="datetimeFigureOut">
               <a:rPr lang="en-US" smtClean="0"/>
-              <a:t>11/17/2020</a:t>
+              <a:t>11/18/2020</a:t>
             </a:fld>
             <a:endParaRPr lang="en-US"/>
           </a:p>
@@ -1732,7 +1735,7 @@
           <a:p>
             <a:fld id="{988392CD-777A-4CC9-8669-EE726A9008C5}" type="datetimeFigureOut">
               <a:rPr lang="en-US" smtClean="0"/>
-              <a:t>11/17/2020</a:t>
+              <a:t>11/18/2020</a:t>
             </a:fld>
             <a:endParaRPr lang="en-US"/>
           </a:p>
@@ -1827,7 +1830,7 @@
           <a:p>
             <a:fld id="{988392CD-777A-4CC9-8669-EE726A9008C5}" type="datetimeFigureOut">
               <a:rPr lang="en-US" smtClean="0"/>
-              <a:t>11/17/2020</a:t>
+              <a:t>11/18/2020</a:t>
             </a:fld>
             <a:endParaRPr lang="en-US"/>
           </a:p>
@@ -2104,7 +2107,7 @@
           <a:p>
             <a:fld id="{988392CD-777A-4CC9-8669-EE726A9008C5}" type="datetimeFigureOut">
               <a:rPr lang="en-US" smtClean="0"/>
-              <a:t>11/17/2020</a:t>
+              <a:t>11/18/2020</a:t>
             </a:fld>
             <a:endParaRPr lang="en-US"/>
           </a:p>
@@ -2357,7 +2360,7 @@
           <a:p>
             <a:fld id="{988392CD-777A-4CC9-8669-EE726A9008C5}" type="datetimeFigureOut">
               <a:rPr lang="en-US" smtClean="0"/>
-              <a:t>11/17/2020</a:t>
+              <a:t>11/18/2020</a:t>
             </a:fld>
             <a:endParaRPr lang="en-US"/>
           </a:p>
@@ -2570,7 +2573,7 @@
           <a:p>
             <a:fld id="{988392CD-777A-4CC9-8669-EE726A9008C5}" type="datetimeFigureOut">
               <a:rPr lang="en-US" smtClean="0"/>
-              <a:t>11/17/2020</a:t>
+              <a:t>11/18/2020</a:t>
             </a:fld>
             <a:endParaRPr lang="en-US"/>
           </a:p>
@@ -3054,6 +3057,284 @@
 </p:sld>
 </file>
 
+<file path=ppt/slides/slide10.xml><?xml version="1.0" encoding="utf-8"?>
+<p:sld xmlns:a="http://schemas.openxmlformats.org/drawingml/2006/main" xmlns:r="http://schemas.openxmlformats.org/officeDocument/2006/relationships" xmlns:p="http://schemas.openxmlformats.org/presentationml/2006/main">
+  <p:cSld>
+    <p:spTree>
+      <p:nvGrpSpPr>
+        <p:cNvPr id="1" name=""/>
+        <p:cNvGrpSpPr/>
+        <p:nvPr/>
+      </p:nvGrpSpPr>
+      <p:grpSpPr>
+        <a:xfrm>
+          <a:off x="0" y="0"/>
+          <a:ext cx="0" cy="0"/>
+          <a:chOff x="0" y="0"/>
+          <a:chExt cx="0" cy="0"/>
+        </a:xfrm>
+      </p:grpSpPr>
+      <p:sp>
+        <p:nvSpPr>
+          <p:cNvPr id="2" name="Titel 1"/>
+          <p:cNvSpPr>
+            <a:spLocks noGrp="1"/>
+          </p:cNvSpPr>
+          <p:nvPr>
+            <p:ph type="title"/>
+          </p:nvPr>
+        </p:nvSpPr>
+        <p:spPr>
+          <a:xfrm>
+            <a:off x="838200" y="365125"/>
+            <a:ext cx="10515600" cy="1325563"/>
+          </a:xfrm>
+        </p:spPr>
+        <p:txBody>
+          <a:bodyPr/>
+          <a:lstStyle/>
+          <a:p>
+            <a:r>
+              <a:rPr lang="en-US" dirty="0"/>
+              <a:t>(28</a:t>
+            </a:r>
+            <a:r>
+              <a:rPr lang="en-US" dirty="0" smtClean="0"/>
+              <a:t>) Full </a:t>
+            </a:r>
+            <a:r>
+              <a:rPr lang="en-US" dirty="0"/>
+              <a:t>load </a:t>
+            </a:r>
+            <a:r>
+              <a:rPr lang="en-US" dirty="0" smtClean="0"/>
+              <a:t>hours</a:t>
+            </a:r>
+            <a:endParaRPr lang="en-US" dirty="0"/>
+          </a:p>
+        </p:txBody>
+      </p:sp>
+      <p:sp>
+        <p:nvSpPr>
+          <p:cNvPr id="3" name="Inhaltsplatzhalter 2"/>
+          <p:cNvSpPr>
+            <a:spLocks noGrp="1"/>
+          </p:cNvSpPr>
+          <p:nvPr>
+            <p:ph idx="1"/>
+          </p:nvPr>
+        </p:nvSpPr>
+        <p:spPr/>
+        <p:txBody>
+          <a:bodyPr>
+            <a:normAutofit fontScale="92500" lnSpcReduction="10000"/>
+          </a:bodyPr>
+          <a:lstStyle/>
+          <a:p>
+            <a:pPr marL="571500" indent="-571500">
+              <a:buFont typeface="+mj-lt"/>
+              <a:buAutoNum type="romanUcPeriod"/>
+            </a:pPr>
+            <a:r>
+              <a:rPr lang="en-US" b="1" dirty="0"/>
+              <a:t>PARAMETER WTRRSFLH(AAA) 'Full load hours for hydro reservoir plants (hours)'</a:t>
+            </a:r>
+          </a:p>
+          <a:p>
+            <a:r>
+              <a:rPr lang="en-US" dirty="0" smtClean="0"/>
+              <a:t>Based on Source: </a:t>
+            </a:r>
+            <a:r>
+              <a:rPr lang="en-US" dirty="0"/>
+              <a:t>“Balmorel_data_input_GX_scen.xlsx” </a:t>
+            </a:r>
+            <a:r>
+              <a:rPr lang="en-US" dirty="0">
+                <a:sym typeface="Wingdings" panose="05000000000000000000" pitchFamily="2" charset="2"/>
+              </a:rPr>
+              <a:t> Gustav GX </a:t>
+            </a:r>
+            <a:r>
+              <a:rPr lang="en-US" dirty="0" smtClean="0">
+                <a:sym typeface="Wingdings" panose="05000000000000000000" pitchFamily="2" charset="2"/>
+              </a:rPr>
+              <a:t>runs</a:t>
+            </a:r>
+          </a:p>
+          <a:p>
+            <a:r>
+              <a:rPr lang="en-US" dirty="0" smtClean="0">
+                <a:sym typeface="Wingdings" panose="05000000000000000000" pitchFamily="2" charset="2"/>
+              </a:rPr>
+              <a:t>Check </a:t>
+            </a:r>
+            <a:r>
+              <a:rPr lang="en-US" dirty="0" err="1" smtClean="0">
+                <a:sym typeface="Wingdings" panose="05000000000000000000" pitchFamily="2" charset="2"/>
+              </a:rPr>
+              <a:t>wether</a:t>
+            </a:r>
+            <a:r>
+              <a:rPr lang="en-US" dirty="0" smtClean="0">
+                <a:sym typeface="Wingdings" panose="05000000000000000000" pitchFamily="2" charset="2"/>
+              </a:rPr>
+              <a:t> Gustav countries is equivalent to </a:t>
+            </a:r>
+            <a:r>
+              <a:rPr lang="en-US" dirty="0" err="1" smtClean="0">
+                <a:sym typeface="Wingdings" panose="05000000000000000000" pitchFamily="2" charset="2"/>
+              </a:rPr>
+              <a:t>balmorel</a:t>
+            </a:r>
+            <a:r>
+              <a:rPr lang="en-US" dirty="0" smtClean="0">
+                <a:sym typeface="Wingdings" panose="05000000000000000000" pitchFamily="2" charset="2"/>
+              </a:rPr>
+              <a:t> areas</a:t>
+            </a:r>
+          </a:p>
+          <a:p>
+            <a:pPr marL="571500" indent="-571500">
+              <a:buFont typeface="+mj-lt"/>
+              <a:buAutoNum type="romanUcPeriod" startAt="2"/>
+            </a:pPr>
+            <a:r>
+              <a:rPr lang="en-US" b="1" dirty="0"/>
+              <a:t>Adaption of full load hour PARAMETER WTRRRFLH(AAA) 'Full load hours for hydro run-of-river plants (hours</a:t>
+            </a:r>
+            <a:r>
+              <a:rPr lang="en-US" b="1" dirty="0" smtClean="0"/>
+              <a:t>)‘</a:t>
+            </a:r>
+          </a:p>
+          <a:p>
+            <a:pPr marL="571500" indent="-571500">
+              <a:buFont typeface="+mj-lt"/>
+              <a:buAutoNum type="romanUcPeriod" startAt="2"/>
+            </a:pPr>
+            <a:r>
+              <a:rPr lang="en-US" b="1" dirty="0"/>
+              <a:t>PARAMETER WNDFLH(AAA)  'Full load hours for wind power (hours</a:t>
+            </a:r>
+            <a:r>
+              <a:rPr lang="en-US" b="1" dirty="0" smtClean="0"/>
+              <a:t>)‘</a:t>
+            </a:r>
+          </a:p>
+          <a:p>
+            <a:pPr marL="571500" indent="-571500">
+              <a:buFont typeface="+mj-lt"/>
+              <a:buAutoNum type="romanUcPeriod" startAt="2"/>
+            </a:pPr>
+            <a:r>
+              <a:rPr lang="en-US" b="1" dirty="0"/>
+              <a:t>PARAMETER SOLEFLH(AAA)  'Full load hours for solar </a:t>
+            </a:r>
+            <a:r>
+              <a:rPr lang="en-US" b="1" dirty="0" smtClean="0"/>
+              <a:t>power‘</a:t>
+            </a:r>
+          </a:p>
+          <a:p>
+            <a:pPr marL="571500" indent="-571500">
+              <a:buFont typeface="+mj-lt"/>
+              <a:buAutoNum type="romanUcPeriod" startAt="2"/>
+            </a:pPr>
+            <a:r>
+              <a:rPr lang="en-US" b="1" dirty="0"/>
+              <a:t>PARAMETER SOLHFLH(AAA)  'Full load hours for solar heat (hours</a:t>
+            </a:r>
+            <a:r>
+              <a:rPr lang="en-US" b="1" dirty="0" smtClean="0"/>
+              <a:t>)‘</a:t>
+            </a:r>
+          </a:p>
+          <a:p>
+            <a:pPr marL="571500" indent="-571500">
+              <a:buFont typeface="+mj-lt"/>
+              <a:buAutoNum type="romanUcPeriod" startAt="2"/>
+            </a:pPr>
+            <a:r>
+              <a:rPr lang="en-US" b="1" dirty="0"/>
+              <a:t>PARAMETER WAVEFLH(AAA)  'Full load hours for wave power (hours)'</a:t>
+            </a:r>
+          </a:p>
+          <a:p>
+            <a:pPr marL="571500" indent="-571500">
+              <a:buFont typeface="+mj-lt"/>
+              <a:buAutoNum type="romanUcPeriod" startAt="2"/>
+            </a:pPr>
+            <a:endParaRPr lang="en-US" b="1" dirty="0"/>
+          </a:p>
+          <a:p>
+            <a:endParaRPr lang="en-US" dirty="0" smtClean="0">
+              <a:sym typeface="Wingdings" panose="05000000000000000000" pitchFamily="2" charset="2"/>
+            </a:endParaRPr>
+          </a:p>
+          <a:p>
+            <a:endParaRPr lang="en-US" dirty="0"/>
+          </a:p>
+          <a:p>
+            <a:pPr lvl="1"/>
+            <a:endParaRPr lang="en-US" dirty="0" smtClean="0">
+              <a:sym typeface="Wingdings" panose="05000000000000000000" pitchFamily="2" charset="2"/>
+            </a:endParaRPr>
+          </a:p>
+          <a:p>
+            <a:pPr marL="914400" lvl="1" indent="-457200">
+              <a:buFont typeface="+mj-lt"/>
+              <a:buAutoNum type="arabicPeriod"/>
+            </a:pPr>
+            <a:endParaRPr lang="en-US" dirty="0">
+              <a:sym typeface="Wingdings" panose="05000000000000000000" pitchFamily="2" charset="2"/>
+            </a:endParaRPr>
+          </a:p>
+          <a:p>
+            <a:pPr marL="1371600" lvl="3" indent="0">
+              <a:buNone/>
+            </a:pPr>
+            <a:endParaRPr lang="en-US" dirty="0" smtClean="0">
+              <a:sym typeface="Wingdings" panose="05000000000000000000" pitchFamily="2" charset="2"/>
+            </a:endParaRPr>
+          </a:p>
+          <a:p>
+            <a:pPr marL="914400" lvl="1" indent="-457200">
+              <a:buFont typeface="+mj-lt"/>
+              <a:buAutoNum type="arabicPeriod"/>
+            </a:pPr>
+            <a:endParaRPr lang="en-US" dirty="0" smtClean="0">
+              <a:sym typeface="Wingdings" panose="05000000000000000000" pitchFamily="2" charset="2"/>
+            </a:endParaRPr>
+          </a:p>
+          <a:p>
+            <a:pPr marL="914400" lvl="1" indent="-457200">
+              <a:buFont typeface="+mj-lt"/>
+              <a:buAutoNum type="arabicPeriod"/>
+            </a:pPr>
+            <a:endParaRPr lang="en-US" dirty="0" smtClean="0"/>
+          </a:p>
+          <a:p>
+            <a:endParaRPr lang="en-US" dirty="0" smtClean="0"/>
+          </a:p>
+          <a:p>
+            <a:endParaRPr lang="en-US" dirty="0"/>
+          </a:p>
+        </p:txBody>
+      </p:sp>
+    </p:spTree>
+    <p:extLst>
+      <p:ext uri="{BB962C8B-B14F-4D97-AF65-F5344CB8AC3E}">
+        <p14:creationId xmlns:p14="http://schemas.microsoft.com/office/powerpoint/2010/main" val="508917245"/>
+      </p:ext>
+    </p:extLst>
+  </p:cSld>
+  <p:clrMapOvr>
+    <a:masterClrMapping/>
+  </p:clrMapOvr>
+</p:sld>
+</file>
+
 <file path=ppt/slides/slide2.xml><?xml version="1.0" encoding="utf-8"?>
 <p:sld xmlns:a="http://schemas.openxmlformats.org/drawingml/2006/main" xmlns:r="http://schemas.openxmlformats.org/officeDocument/2006/relationships" xmlns:p="http://schemas.openxmlformats.org/presentationml/2006/main">
   <p:cSld>
@@ -3081,26 +3362,35 @@
             <p:ph type="title"/>
           </p:nvPr>
         </p:nvSpPr>
-        <p:spPr/>
-        <p:txBody>
-          <a:bodyPr/>
-          <a:lstStyle/>
-          <a:p>
+        <p:spPr>
+          <a:xfrm>
+            <a:off x="838200" y="133109"/>
+            <a:ext cx="11635854" cy="1325563"/>
+          </a:xfrm>
+        </p:spPr>
+        <p:txBody>
+          <a:bodyPr/>
+          <a:lstStyle/>
+          <a:p>
+            <a:r>
+              <a:rPr lang="en-US" dirty="0"/>
+              <a:t>(15) </a:t>
+            </a:r>
             <a:r>
               <a:rPr lang="en-US" dirty="0" smtClean="0"/>
-              <a:t>Changes on </a:t>
-            </a:r>
-            <a:r>
-              <a:rPr lang="en-US" dirty="0" err="1" smtClean="0"/>
-              <a:t>Balmorel_data_input</a:t>
+              <a:t>Capacity </a:t>
             </a:r>
             <a:r>
               <a:rPr lang="en-US" dirty="0"/>
-              <a:t> </a:t>
+              <a:t>of generation </a:t>
             </a:r>
             <a:r>
               <a:rPr lang="en-US" dirty="0" smtClean="0"/>
-              <a:t>(15)</a:t>
+              <a:t>technologies ‘</a:t>
+            </a:r>
+            <a:r>
+              <a:rPr lang="en-US" dirty="0"/>
+              <a:t>PARAMETER GKFX(YYY,AAA,GGG) </a:t>
             </a:r>
             <a:endParaRPr lang="en-US" dirty="0"/>
           </a:p>
@@ -3213,20 +3503,8 @@
           <a:lstStyle/>
           <a:p>
             <a:r>
-              <a:rPr lang="en-US" dirty="0" smtClean="0"/>
-              <a:t>Changes on </a:t>
-            </a:r>
-            <a:r>
-              <a:rPr lang="en-US" dirty="0" err="1" smtClean="0"/>
-              <a:t>Balmorel_data_input</a:t>
-            </a:r>
-            <a:r>
               <a:rPr lang="en-US" dirty="0"/>
-              <a:t> </a:t>
-            </a:r>
-            <a:r>
-              <a:rPr lang="en-US" dirty="0" smtClean="0"/>
-              <a:t>(15)</a:t>
+              <a:t>(15) Capacity of generation technologies </a:t>
             </a:r>
             <a:endParaRPr lang="en-US" dirty="0"/>
           </a:p>
@@ -3252,53 +3530,14 @@
           <a:bodyPr/>
           <a:lstStyle/>
           <a:p>
-            <a:r>
-              <a:rPr lang="en-US" dirty="0" smtClean="0"/>
-              <a:t>Inclusion of conventional power data</a:t>
-            </a:r>
-          </a:p>
-          <a:p>
-            <a:r>
-              <a:rPr lang="en-US" dirty="0" smtClean="0"/>
-              <a:t>Export capacity data as </a:t>
-            </a:r>
-            <a:r>
-              <a:rPr lang="en-US" dirty="0" err="1" smtClean="0"/>
-              <a:t>xlsx</a:t>
-            </a:r>
-            <a:r>
-              <a:rPr lang="en-US" dirty="0" smtClean="0"/>
-              <a:t>. </a:t>
-            </a:r>
-          </a:p>
-          <a:p>
-            <a:r>
-              <a:rPr lang="en-US" dirty="0" smtClean="0"/>
-              <a:t>Change country into </a:t>
-            </a:r>
-            <a:r>
-              <a:rPr lang="en-US" dirty="0" err="1" smtClean="0"/>
-              <a:t>Balmorel</a:t>
-            </a:r>
-            <a:r>
-              <a:rPr lang="en-US" dirty="0" smtClean="0"/>
-              <a:t> Area : Austria </a:t>
-            </a:r>
-            <a:r>
-              <a:rPr lang="en-US" dirty="0" smtClean="0">
-                <a:sym typeface="Wingdings" panose="05000000000000000000" pitchFamily="2" charset="2"/>
-              </a:rPr>
-              <a:t> </a:t>
-            </a:r>
-            <a:r>
-              <a:rPr lang="en-US" dirty="0" err="1" smtClean="0">
-                <a:sym typeface="Wingdings" panose="05000000000000000000" pitchFamily="2" charset="2"/>
-              </a:rPr>
-              <a:t>AT_A;etc</a:t>
-            </a:r>
-            <a:endParaRPr lang="en-US" dirty="0" smtClean="0">
-              <a:sym typeface="Wingdings" panose="05000000000000000000" pitchFamily="2" charset="2"/>
-            </a:endParaRPr>
+            <a:pPr marL="571500" indent="-571500">
+              <a:buFont typeface="+mj-lt"/>
+              <a:buAutoNum type="romanUcPeriod"/>
+            </a:pPr>
+            <a:r>
+              <a:rPr lang="en-US" b="1" dirty="0" smtClean="0"/>
+              <a:t>Inclusion of conventional power data </a:t>
+            </a:r>
           </a:p>
           <a:p>
             <a:pPr marL="0" indent="0">
@@ -3330,7 +3569,7 @@
         </p:blipFill>
         <p:spPr>
           <a:xfrm>
-            <a:off x="518826" y="3006089"/>
+            <a:off x="518826" y="2009801"/>
             <a:ext cx="10834974" cy="5412619"/>
           </a:xfrm>
           <a:prstGeom prst="rect">
@@ -3384,20 +3623,8 @@
           <a:lstStyle/>
           <a:p>
             <a:r>
-              <a:rPr lang="en-US" dirty="0" smtClean="0"/>
-              <a:t>Changes on </a:t>
-            </a:r>
-            <a:r>
-              <a:rPr lang="en-US" dirty="0" err="1" smtClean="0"/>
-              <a:t>Balmorel_data_input</a:t>
-            </a:r>
-            <a:r>
               <a:rPr lang="en-US" dirty="0"/>
-              <a:t> </a:t>
-            </a:r>
-            <a:r>
-              <a:rPr lang="en-US" dirty="0" smtClean="0"/>
-              <a:t>(15)</a:t>
+              <a:t>(15) Capacity of generation technologies </a:t>
             </a:r>
             <a:endParaRPr lang="en-US" dirty="0"/>
           </a:p>
@@ -3413,22 +3640,37 @@
             <p:ph idx="1"/>
           </p:nvPr>
         </p:nvSpPr>
-        <p:spPr>
-          <a:xfrm>
-            <a:off x="838200" y="1535339"/>
-            <a:ext cx="10515600" cy="4351338"/>
-          </a:xfrm>
-        </p:spPr>
-        <p:txBody>
-          <a:bodyPr/>
-          <a:lstStyle/>
-          <a:p>
+        <p:spPr/>
+        <p:txBody>
+          <a:bodyPr/>
+          <a:lstStyle/>
+          <a:p>
+            <a:pPr marL="571500" indent="-571500">
+              <a:buFont typeface="+mj-lt"/>
+              <a:buAutoNum type="romanUcPeriod"/>
+            </a:pPr>
+            <a:r>
+              <a:rPr lang="en-US" b="1" dirty="0"/>
+              <a:t>Inclusion of conventional power data </a:t>
+            </a:r>
+            <a:endParaRPr lang="en-US" dirty="0"/>
+          </a:p>
+          <a:p>
+            <a:pPr lvl="1"/>
             <a:r>
               <a:rPr lang="en-US" dirty="0" smtClean="0"/>
               <a:t>USE Jasper processing tool to get conventional power plant data</a:t>
             </a:r>
           </a:p>
           <a:p>
+            <a:pPr lvl="2"/>
+            <a:r>
+              <a:rPr lang="en-US" dirty="0" smtClean="0"/>
+              <a:t>“Export_conv_PP-Balmorel.xlsx”</a:t>
+            </a:r>
+          </a:p>
+          <a:p>
+            <a:pPr lvl="1"/>
             <a:r>
               <a:rPr lang="en-US" dirty="0" smtClean="0"/>
               <a:t>Export capacity data as </a:t>
@@ -3443,6 +3685,7 @@
             </a:r>
           </a:p>
           <a:p>
+            <a:pPr lvl="1"/>
             <a:r>
               <a:rPr lang="en-US" dirty="0" smtClean="0"/>
               <a:t>Change country into </a:t>
@@ -3472,47 +3715,48 @@
             </a:endParaRPr>
           </a:p>
           <a:p>
-            <a:pPr marL="0" indent="0">
-              <a:buNone/>
-            </a:pPr>
+            <a:pPr lvl="2"/>
+            <a:r>
+              <a:rPr lang="en-US" dirty="0" smtClean="0">
+                <a:sym typeface="Wingdings" panose="05000000000000000000" pitchFamily="2" charset="2"/>
+              </a:rPr>
+              <a:t>Use Formula in excel (</a:t>
+            </a:r>
+            <a:r>
+              <a:rPr lang="en-US" dirty="0" err="1" smtClean="0">
+                <a:sym typeface="Wingdings" panose="05000000000000000000" pitchFamily="2" charset="2"/>
+              </a:rPr>
+              <a:t>Wenn</a:t>
+            </a:r>
+            <a:endParaRPr lang="en-US" dirty="0" smtClean="0">
+              <a:sym typeface="Wingdings" panose="05000000000000000000" pitchFamily="2" charset="2"/>
+            </a:endParaRPr>
+          </a:p>
+          <a:p>
+            <a:pPr lvl="1"/>
+            <a:r>
+              <a:rPr lang="en-US" dirty="0" smtClean="0">
+                <a:sym typeface="Wingdings" panose="05000000000000000000" pitchFamily="2" charset="2"/>
+              </a:rPr>
+              <a:t>Copy  into </a:t>
+            </a:r>
+            <a:r>
+              <a:rPr lang="en-US" dirty="0" smtClean="0"/>
+              <a:t>(15)</a:t>
+            </a:r>
+          </a:p>
+          <a:p>
             <a:endParaRPr lang="en-US" dirty="0" smtClean="0"/>
           </a:p>
           <a:p>
-            <a:endParaRPr lang="en-US" dirty="0" smtClean="0"/>
-          </a:p>
-          <a:p>
             <a:endParaRPr lang="en-US" dirty="0"/>
           </a:p>
         </p:txBody>
       </p:sp>
-      <p:pic>
-        <p:nvPicPr>
-          <p:cNvPr id="6" name="Grafik 5"/>
-          <p:cNvPicPr>
-            <a:picLocks noChangeAspect="1"/>
-          </p:cNvPicPr>
-          <p:nvPr/>
-        </p:nvPicPr>
-        <p:blipFill>
-          <a:blip r:embed="rId2"/>
-          <a:stretch>
-            <a:fillRect/>
-          </a:stretch>
-        </p:blipFill>
-        <p:spPr>
-          <a:xfrm>
-            <a:off x="518826" y="3006089"/>
-            <a:ext cx="10834974" cy="5412619"/>
-          </a:xfrm>
-          <a:prstGeom prst="rect">
-            <a:avLst/>
-          </a:prstGeom>
-        </p:spPr>
-      </p:pic>
     </p:spTree>
     <p:extLst>
       <p:ext uri="{BB962C8B-B14F-4D97-AF65-F5344CB8AC3E}">
-        <p14:creationId xmlns:p14="http://schemas.microsoft.com/office/powerpoint/2010/main" val="2382673171"/>
+        <p14:creationId xmlns:p14="http://schemas.microsoft.com/office/powerpoint/2010/main" val="1426751415"/>
       </p:ext>
     </p:extLst>
   </p:cSld>
@@ -3555,20 +3799,8 @@
           <a:lstStyle/>
           <a:p>
             <a:r>
-              <a:rPr lang="en-US" dirty="0" smtClean="0"/>
-              <a:t>Changes on </a:t>
-            </a:r>
-            <a:r>
-              <a:rPr lang="en-US" dirty="0" err="1" smtClean="0"/>
-              <a:t>Balmorel_data_input</a:t>
-            </a:r>
-            <a:r>
               <a:rPr lang="en-US" dirty="0"/>
-              <a:t> </a:t>
-            </a:r>
-            <a:r>
-              <a:rPr lang="en-US" dirty="0" smtClean="0"/>
-              <a:t>(15)</a:t>
+              <a:t>(15) Capacity of generation technologies </a:t>
             </a:r>
             <a:endParaRPr lang="en-US" dirty="0"/>
           </a:p>
@@ -3589,192 +3821,19 @@
           <a:bodyPr/>
           <a:lstStyle/>
           <a:p>
-            <a:pPr marL="0" indent="0">
-              <a:buNone/>
-            </a:pPr>
-            <a:endParaRPr lang="en-US" dirty="0"/>
-          </a:p>
-          <a:p>
-            <a:r>
-              <a:rPr lang="en-US" dirty="0" smtClean="0"/>
-              <a:t>USE Jasper processing tool to get conventional power plant data</a:t>
-            </a:r>
-          </a:p>
-          <a:p>
-            <a:pPr lvl="1"/>
-            <a:r>
-              <a:rPr lang="en-US" dirty="0" smtClean="0"/>
-              <a:t>“Export_conv_PP-Balmorel.xlsx”</a:t>
-            </a:r>
-          </a:p>
-          <a:p>
-            <a:r>
-              <a:rPr lang="en-US" dirty="0" smtClean="0"/>
-              <a:t>Export capacity data as </a:t>
-            </a:r>
-            <a:r>
-              <a:rPr lang="en-US" dirty="0" err="1" smtClean="0"/>
-              <a:t>xlsx</a:t>
-            </a:r>
-            <a:r>
-              <a:rPr lang="en-US" dirty="0" smtClean="0"/>
-              <a:t>. </a:t>
-            </a:r>
-          </a:p>
-          <a:p>
-            <a:r>
-              <a:rPr lang="en-US" dirty="0" smtClean="0"/>
-              <a:t>Change country into </a:t>
-            </a:r>
-            <a:r>
-              <a:rPr lang="en-US" dirty="0" err="1" smtClean="0"/>
-              <a:t>Balmorel</a:t>
-            </a:r>
-            <a:r>
-              <a:rPr lang="en-US" dirty="0" smtClean="0"/>
-              <a:t> Area : Austria </a:t>
-            </a:r>
-            <a:r>
-              <a:rPr lang="en-US" dirty="0" smtClean="0">
-                <a:sym typeface="Wingdings" panose="05000000000000000000" pitchFamily="2" charset="2"/>
-              </a:rPr>
-              <a:t> </a:t>
-            </a:r>
-            <a:r>
-              <a:rPr lang="en-US" dirty="0" err="1" smtClean="0">
-                <a:sym typeface="Wingdings" panose="05000000000000000000" pitchFamily="2" charset="2"/>
-              </a:rPr>
-              <a:t>AT_A;etc</a:t>
-            </a:r>
-            <a:endParaRPr lang="en-US" dirty="0" smtClean="0">
-              <a:sym typeface="Wingdings" panose="05000000000000000000" pitchFamily="2" charset="2"/>
-            </a:endParaRPr>
-          </a:p>
-          <a:p>
-            <a:pPr lvl="1"/>
-            <a:r>
-              <a:rPr lang="en-US" dirty="0" smtClean="0">
-                <a:sym typeface="Wingdings" panose="05000000000000000000" pitchFamily="2" charset="2"/>
-              </a:rPr>
-              <a:t>Use Formula in excel (</a:t>
-            </a:r>
-            <a:r>
-              <a:rPr lang="en-US" dirty="0" err="1" smtClean="0">
-                <a:sym typeface="Wingdings" panose="05000000000000000000" pitchFamily="2" charset="2"/>
-              </a:rPr>
-              <a:t>Wenn</a:t>
-            </a:r>
-            <a:endParaRPr lang="en-US" dirty="0" smtClean="0">
-              <a:sym typeface="Wingdings" panose="05000000000000000000" pitchFamily="2" charset="2"/>
-            </a:endParaRPr>
-          </a:p>
-          <a:p>
-            <a:r>
-              <a:rPr lang="en-US" dirty="0" smtClean="0">
-                <a:sym typeface="Wingdings" panose="05000000000000000000" pitchFamily="2" charset="2"/>
-              </a:rPr>
-              <a:t>Copy  into </a:t>
-            </a:r>
-            <a:r>
-              <a:rPr lang="en-US" dirty="0" smtClean="0"/>
-              <a:t>(15)</a:t>
-            </a:r>
-          </a:p>
-          <a:p>
-            <a:endParaRPr lang="en-US" dirty="0" smtClean="0"/>
-          </a:p>
-          <a:p>
-            <a:endParaRPr lang="en-US" dirty="0"/>
-          </a:p>
-        </p:txBody>
-      </p:sp>
-    </p:spTree>
-    <p:extLst>
-      <p:ext uri="{BB962C8B-B14F-4D97-AF65-F5344CB8AC3E}">
-        <p14:creationId xmlns:p14="http://schemas.microsoft.com/office/powerpoint/2010/main" val="1426751415"/>
-      </p:ext>
-    </p:extLst>
-  </p:cSld>
-  <p:clrMapOvr>
-    <a:masterClrMapping/>
-  </p:clrMapOvr>
-</p:sld>
-</file>
-
-<file path=ppt/slides/slide6.xml><?xml version="1.0" encoding="utf-8"?>
-<p:sld xmlns:a="http://schemas.openxmlformats.org/drawingml/2006/main" xmlns:r="http://schemas.openxmlformats.org/officeDocument/2006/relationships" xmlns:p="http://schemas.openxmlformats.org/presentationml/2006/main">
-  <p:cSld>
-    <p:spTree>
-      <p:nvGrpSpPr>
-        <p:cNvPr id="1" name=""/>
-        <p:cNvGrpSpPr/>
-        <p:nvPr/>
-      </p:nvGrpSpPr>
-      <p:grpSpPr>
-        <a:xfrm>
-          <a:off x="0" y="0"/>
-          <a:ext cx="0" cy="0"/>
-          <a:chOff x="0" y="0"/>
-          <a:chExt cx="0" cy="0"/>
-        </a:xfrm>
-      </p:grpSpPr>
-      <p:sp>
-        <p:nvSpPr>
-          <p:cNvPr id="2" name="Titel 1"/>
-          <p:cNvSpPr>
-            <a:spLocks noGrp="1"/>
-          </p:cNvSpPr>
-          <p:nvPr>
-            <p:ph type="title"/>
-          </p:nvPr>
-        </p:nvSpPr>
-        <p:spPr/>
-        <p:txBody>
-          <a:bodyPr/>
-          <a:lstStyle/>
-          <a:p>
-            <a:r>
-              <a:rPr lang="en-US" dirty="0" smtClean="0"/>
-              <a:t>Changes on </a:t>
-            </a:r>
-            <a:r>
-              <a:rPr lang="en-US" dirty="0" err="1" smtClean="0"/>
-              <a:t>Balmorel_data_input</a:t>
-            </a:r>
-            <a:r>
-              <a:rPr lang="en-US" dirty="0"/>
-              <a:t> </a:t>
-            </a:r>
-            <a:r>
-              <a:rPr lang="en-US" dirty="0" smtClean="0"/>
-              <a:t>(15)</a:t>
-            </a:r>
-            <a:endParaRPr lang="en-US" dirty="0"/>
-          </a:p>
-        </p:txBody>
-      </p:sp>
-      <p:sp>
-        <p:nvSpPr>
-          <p:cNvPr id="3" name="Inhaltsplatzhalter 2"/>
-          <p:cNvSpPr>
-            <a:spLocks noGrp="1"/>
-          </p:cNvSpPr>
-          <p:nvPr>
-            <p:ph idx="1"/>
-          </p:nvPr>
-        </p:nvSpPr>
-        <p:spPr/>
-        <p:txBody>
-          <a:bodyPr/>
-          <a:lstStyle/>
-          <a:p>
-            <a:pPr marL="0" indent="0">
-              <a:buNone/>
+            <a:pPr marL="571500" indent="-571500">
+              <a:buFont typeface="+mj-lt"/>
+              <a:buAutoNum type="romanUcPeriod" startAt="2"/>
             </a:pPr>
             <a:r>
               <a:rPr lang="en-US" b="1" dirty="0" smtClean="0"/>
               <a:t>Inclusion of RES-Power plants </a:t>
             </a:r>
+            <a:r>
+              <a:rPr lang="en-US" b="1" dirty="0" smtClean="0"/>
+              <a:t>data </a:t>
+            </a:r>
+            <a:endParaRPr lang="en-US" b="1" dirty="0" smtClean="0"/>
           </a:p>
           <a:p>
             <a:r>
@@ -3834,6 +3893,258 @@
 </p:sld>
 </file>
 
+<file path=ppt/slides/slide6.xml><?xml version="1.0" encoding="utf-8"?>
+<p:sld xmlns:a="http://schemas.openxmlformats.org/drawingml/2006/main" xmlns:r="http://schemas.openxmlformats.org/officeDocument/2006/relationships" xmlns:p="http://schemas.openxmlformats.org/presentationml/2006/main">
+  <p:cSld>
+    <p:spTree>
+      <p:nvGrpSpPr>
+        <p:cNvPr id="1" name=""/>
+        <p:cNvGrpSpPr/>
+        <p:nvPr/>
+      </p:nvGrpSpPr>
+      <p:grpSpPr>
+        <a:xfrm>
+          <a:off x="0" y="0"/>
+          <a:ext cx="0" cy="0"/>
+          <a:chOff x="0" y="0"/>
+          <a:chExt cx="0" cy="0"/>
+        </a:xfrm>
+      </p:grpSpPr>
+      <p:sp>
+        <p:nvSpPr>
+          <p:cNvPr id="2" name="Titel 1"/>
+          <p:cNvSpPr>
+            <a:spLocks noGrp="1"/>
+          </p:cNvSpPr>
+          <p:nvPr>
+            <p:ph type="title"/>
+          </p:nvPr>
+        </p:nvSpPr>
+        <p:spPr/>
+        <p:txBody>
+          <a:bodyPr/>
+          <a:lstStyle/>
+          <a:p>
+            <a:r>
+              <a:rPr lang="en-US" dirty="0"/>
+              <a:t>(15) Capacity of generation technologies </a:t>
+            </a:r>
+            <a:endParaRPr lang="en-US" dirty="0"/>
+          </a:p>
+        </p:txBody>
+      </p:sp>
+      <p:sp>
+        <p:nvSpPr>
+          <p:cNvPr id="3" name="Inhaltsplatzhalter 2"/>
+          <p:cNvSpPr>
+            <a:spLocks noGrp="1"/>
+          </p:cNvSpPr>
+          <p:nvPr>
+            <p:ph idx="1"/>
+          </p:nvPr>
+        </p:nvSpPr>
+        <p:spPr/>
+        <p:txBody>
+          <a:bodyPr>
+            <a:normAutofit/>
+          </a:bodyPr>
+          <a:lstStyle/>
+          <a:p>
+            <a:pPr marL="571500" indent="-571500">
+              <a:buFont typeface="+mj-lt"/>
+              <a:buAutoNum type="romanUcPeriod" startAt="2"/>
+            </a:pPr>
+            <a:r>
+              <a:rPr lang="en-US" b="1" dirty="0"/>
+              <a:t>Inclusion of RES-Power plants data </a:t>
+            </a:r>
+          </a:p>
+          <a:p>
+            <a:r>
+              <a:rPr lang="en-US" dirty="0" smtClean="0"/>
+              <a:t>Tide and </a:t>
+            </a:r>
+            <a:r>
+              <a:rPr lang="en-US" dirty="0" err="1" smtClean="0"/>
+              <a:t>Waveand</a:t>
+            </a:r>
+            <a:r>
+              <a:rPr lang="en-US" dirty="0" smtClean="0"/>
+              <a:t> </a:t>
+            </a:r>
+            <a:r>
+              <a:rPr lang="en-US" dirty="0" err="1" smtClean="0"/>
+              <a:t>Solarthermal</a:t>
+            </a:r>
+            <a:r>
+              <a:rPr lang="en-US" dirty="0" smtClean="0"/>
+              <a:t> currently not yet included in our </a:t>
+            </a:r>
+            <a:r>
+              <a:rPr lang="en-US" dirty="0" err="1" smtClean="0"/>
+              <a:t>Balmorel</a:t>
+            </a:r>
+            <a:r>
+              <a:rPr lang="en-US" dirty="0" smtClean="0"/>
+              <a:t> run</a:t>
+            </a:r>
+          </a:p>
+          <a:p>
+            <a:r>
+              <a:rPr lang="en-US" dirty="0" smtClean="0">
+                <a:sym typeface="Wingdings" panose="05000000000000000000" pitchFamily="2" charset="2"/>
+              </a:rPr>
+              <a:t>Hydro large scale and Hydro Small Scale has to be divided into</a:t>
+            </a:r>
+          </a:p>
+          <a:p>
+            <a:pPr lvl="1"/>
+            <a:r>
+              <a:rPr lang="en-US" dirty="0" smtClean="0">
+                <a:sym typeface="Wingdings" panose="05000000000000000000" pitchFamily="2" charset="2"/>
+              </a:rPr>
+              <a:t>Run of River “</a:t>
+            </a:r>
+            <a:r>
+              <a:rPr lang="de-AT" dirty="0"/>
+              <a:t>K5_GNR_ROR_WTR_2030</a:t>
+            </a:r>
+            <a:r>
+              <a:rPr lang="de-AT" dirty="0"/>
+              <a:t> </a:t>
+            </a:r>
+            <a:r>
+              <a:rPr lang="de-AT" dirty="0" smtClean="0"/>
+              <a:t>„</a:t>
+            </a:r>
+            <a:endParaRPr lang="en-US" dirty="0" smtClean="0">
+              <a:sym typeface="Wingdings" panose="05000000000000000000" pitchFamily="2" charset="2"/>
+            </a:endParaRPr>
+          </a:p>
+          <a:p>
+            <a:pPr lvl="1"/>
+            <a:r>
+              <a:rPr lang="en-US" dirty="0">
+                <a:sym typeface="Wingdings" panose="05000000000000000000" pitchFamily="2" charset="2"/>
+              </a:rPr>
+              <a:t>Water No Pump </a:t>
+            </a:r>
+            <a:r>
+              <a:rPr lang="en-US" dirty="0" smtClean="0">
+                <a:sym typeface="Wingdings" panose="05000000000000000000" pitchFamily="2" charset="2"/>
+              </a:rPr>
+              <a:t>“K5_GNR_RES_WTR_NOPMP_2030”</a:t>
+            </a:r>
+          </a:p>
+          <a:p>
+            <a:pPr lvl="1"/>
+            <a:r>
+              <a:rPr lang="en-US" dirty="0" smtClean="0">
+                <a:sym typeface="Wingdings" panose="05000000000000000000" pitchFamily="2" charset="2"/>
+              </a:rPr>
+              <a:t>Full Load hours have to be adapted in (28)</a:t>
+            </a:r>
+          </a:p>
+          <a:p>
+            <a:r>
+              <a:rPr lang="en-US" dirty="0">
+                <a:sym typeface="Wingdings" panose="05000000000000000000" pitchFamily="2" charset="2"/>
+              </a:rPr>
+              <a:t>Biomass is: </a:t>
+            </a:r>
+            <a:r>
+              <a:rPr lang="en-US" dirty="0" smtClean="0">
+                <a:sym typeface="Wingdings" panose="05000000000000000000" pitchFamily="2" charset="2"/>
+              </a:rPr>
+              <a:t>“K5_GNR_ST_WOODCHIPS_EXT_2030” </a:t>
+            </a:r>
+          </a:p>
+          <a:p>
+            <a:r>
+              <a:rPr lang="en-US" dirty="0" err="1" smtClean="0">
+                <a:sym typeface="Wingdings" panose="05000000000000000000" pitchFamily="2" charset="2"/>
+              </a:rPr>
+              <a:t>Biowaste</a:t>
+            </a:r>
+            <a:r>
+              <a:rPr lang="en-US" dirty="0">
+                <a:sym typeface="Wingdings" panose="05000000000000000000" pitchFamily="2" charset="2"/>
+              </a:rPr>
+              <a:t> is : </a:t>
+            </a:r>
+            <a:r>
+              <a:rPr lang="en-US" dirty="0" smtClean="0">
+                <a:sym typeface="Wingdings" panose="05000000000000000000" pitchFamily="2" charset="2"/>
+              </a:rPr>
+              <a:t>“K5_GNR_ST_MSW_BPR_2030”</a:t>
+            </a:r>
+          </a:p>
+          <a:p>
+            <a:pPr lvl="1"/>
+            <a:endParaRPr lang="en-US" dirty="0" smtClean="0">
+              <a:sym typeface="Wingdings" panose="05000000000000000000" pitchFamily="2" charset="2"/>
+            </a:endParaRPr>
+          </a:p>
+          <a:p>
+            <a:pPr lvl="1"/>
+            <a:endParaRPr lang="en-US" dirty="0" smtClean="0">
+              <a:sym typeface="Wingdings" panose="05000000000000000000" pitchFamily="2" charset="2"/>
+            </a:endParaRPr>
+          </a:p>
+          <a:p>
+            <a:pPr marL="914400" lvl="1" indent="-457200">
+              <a:buFont typeface="+mj-lt"/>
+              <a:buAutoNum type="arabicPeriod"/>
+            </a:pPr>
+            <a:endParaRPr lang="en-US" dirty="0">
+              <a:sym typeface="Wingdings" panose="05000000000000000000" pitchFamily="2" charset="2"/>
+            </a:endParaRPr>
+          </a:p>
+          <a:p>
+            <a:pPr marL="1371600" lvl="3" indent="0">
+              <a:buNone/>
+            </a:pPr>
+            <a:endParaRPr lang="en-US" dirty="0" smtClean="0">
+              <a:sym typeface="Wingdings" panose="05000000000000000000" pitchFamily="2" charset="2"/>
+            </a:endParaRPr>
+          </a:p>
+          <a:p>
+            <a:pPr marL="914400" lvl="1" indent="-457200">
+              <a:buFont typeface="+mj-lt"/>
+              <a:buAutoNum type="arabicPeriod"/>
+            </a:pPr>
+            <a:endParaRPr lang="en-US" dirty="0" smtClean="0">
+              <a:sym typeface="Wingdings" panose="05000000000000000000" pitchFamily="2" charset="2"/>
+            </a:endParaRPr>
+          </a:p>
+          <a:p>
+            <a:pPr marL="914400" lvl="1" indent="-457200">
+              <a:buFont typeface="+mj-lt"/>
+              <a:buAutoNum type="arabicPeriod"/>
+            </a:pPr>
+            <a:endParaRPr lang="en-US" dirty="0" smtClean="0"/>
+          </a:p>
+          <a:p>
+            <a:endParaRPr lang="en-US" dirty="0" smtClean="0"/>
+          </a:p>
+          <a:p>
+            <a:endParaRPr lang="en-US" dirty="0"/>
+          </a:p>
+        </p:txBody>
+      </p:sp>
+    </p:spTree>
+    <p:extLst>
+      <p:ext uri="{BB962C8B-B14F-4D97-AF65-F5344CB8AC3E}">
+        <p14:creationId xmlns:p14="http://schemas.microsoft.com/office/powerpoint/2010/main" val="1081210085"/>
+      </p:ext>
+    </p:extLst>
+  </p:cSld>
+  <p:clrMapOvr>
+    <a:masterClrMapping/>
+  </p:clrMapOvr>
+</p:sld>
+</file>
+
 <file path=ppt/slides/slide7.xml><?xml version="1.0" encoding="utf-8"?>
 <p:sld xmlns:a="http://schemas.openxmlformats.org/drawingml/2006/main" xmlns:r="http://schemas.openxmlformats.org/officeDocument/2006/relationships" xmlns:p="http://schemas.openxmlformats.org/presentationml/2006/main">
   <p:cSld>
@@ -3867,20 +4178,8 @@
           <a:lstStyle/>
           <a:p>
             <a:r>
-              <a:rPr lang="en-US" dirty="0" smtClean="0"/>
-              <a:t>Changes on </a:t>
-            </a:r>
-            <a:r>
-              <a:rPr lang="en-US" dirty="0" err="1" smtClean="0"/>
-              <a:t>Balmorel_data_input</a:t>
-            </a:r>
-            <a:r>
               <a:rPr lang="en-US" dirty="0"/>
-              <a:t> </a:t>
-            </a:r>
-            <a:r>
-              <a:rPr lang="en-US" dirty="0" smtClean="0"/>
-              <a:t>(15)</a:t>
+              <a:t>(15) Capacity of generation technologies </a:t>
             </a:r>
             <a:endParaRPr lang="en-US" dirty="0"/>
           </a:p>
@@ -3899,43 +4198,53 @@
         <p:spPr/>
         <p:txBody>
           <a:bodyPr>
-            <a:normAutofit lnSpcReduction="10000"/>
+            <a:normAutofit/>
           </a:bodyPr>
           <a:lstStyle/>
           <a:p>
+            <a:pPr marL="571500" indent="-571500">
+              <a:buFont typeface="+mj-lt"/>
+              <a:buAutoNum type="romanUcPeriod" startAt="2"/>
+            </a:pPr>
+            <a:r>
+              <a:rPr lang="en-US" b="1" dirty="0"/>
+              <a:t>Inclusion of RES-Power plants </a:t>
+            </a:r>
+            <a:r>
+              <a:rPr lang="en-US" b="1" dirty="0" smtClean="0"/>
+              <a:t>data</a:t>
+            </a:r>
+            <a:endParaRPr lang="en-US" b="1" dirty="0"/>
+          </a:p>
+          <a:p>
+            <a:endParaRPr lang="de-AT" dirty="0" smtClean="0"/>
+          </a:p>
+          <a:p>
+            <a:endParaRPr lang="de-AT" dirty="0"/>
+          </a:p>
+          <a:p>
+            <a:endParaRPr lang="de-AT" dirty="0" smtClean="0"/>
+          </a:p>
+          <a:p>
             <a:pPr marL="0" indent="0">
               <a:buNone/>
             </a:pPr>
             <a:r>
-              <a:rPr lang="en-US" b="1" dirty="0" smtClean="0"/>
-              <a:t>Inclusion of RES-Power plants </a:t>
-            </a:r>
-          </a:p>
-          <a:p>
-            <a:r>
-              <a:rPr lang="en-US" dirty="0" smtClean="0"/>
-              <a:t>Source here: “Balmorel_data_input_GX_scen.xlsx” </a:t>
-            </a:r>
-            <a:r>
-              <a:rPr lang="en-US" dirty="0" smtClean="0">
-                <a:sym typeface="Wingdings" panose="05000000000000000000" pitchFamily="2" charset="2"/>
-              </a:rPr>
-              <a:t> Gustav GX runs</a:t>
-            </a:r>
-          </a:p>
-          <a:p>
-            <a:r>
-              <a:rPr lang="en-US" dirty="0" smtClean="0">
-                <a:sym typeface="Wingdings" panose="05000000000000000000" pitchFamily="2" charset="2"/>
-              </a:rPr>
-              <a:t>Trick: Use Power Pivot </a:t>
-            </a:r>
-            <a:r>
-              <a:rPr lang="en-US" dirty="0" err="1" smtClean="0">
-                <a:sym typeface="Wingdings" panose="05000000000000000000" pitchFamily="2" charset="2"/>
-              </a:rPr>
-              <a:t>Addon</a:t>
-            </a:r>
+              <a:rPr lang="de-AT" sz="4800" dirty="0" smtClean="0"/>
+              <a:t>STORAGE DATA STILL TO BE INCLUDED</a:t>
+            </a:r>
+            <a:endParaRPr lang="en-US" sz="4800" dirty="0" smtClean="0">
+              <a:sym typeface="Wingdings" panose="05000000000000000000" pitchFamily="2" charset="2"/>
+            </a:endParaRPr>
+          </a:p>
+          <a:p>
+            <a:pPr lvl="1"/>
+            <a:endParaRPr lang="en-US" dirty="0" smtClean="0">
+              <a:sym typeface="Wingdings" panose="05000000000000000000" pitchFamily="2" charset="2"/>
+            </a:endParaRPr>
+          </a:p>
+          <a:p>
+            <a:pPr lvl="1"/>
             <a:endParaRPr lang="en-US" dirty="0" smtClean="0">
               <a:sym typeface="Wingdings" panose="05000000000000000000" pitchFamily="2" charset="2"/>
             </a:endParaRPr>
@@ -3945,321 +4254,7 @@
               <a:buFont typeface="+mj-lt"/>
               <a:buAutoNum type="arabicPeriod"/>
             </a:pPr>
-            <a:r>
-              <a:rPr lang="en-US" dirty="0" smtClean="0">
-                <a:sym typeface="Wingdings" panose="05000000000000000000" pitchFamily="2" charset="2"/>
-              </a:rPr>
-              <a:t>Calculate and add row “</a:t>
-            </a:r>
-            <a:r>
-              <a:rPr lang="en-US" dirty="0" err="1" smtClean="0">
-                <a:sym typeface="Wingdings" panose="05000000000000000000" pitchFamily="2" charset="2"/>
-              </a:rPr>
-              <a:t>Centralised</a:t>
-            </a:r>
-            <a:r>
-              <a:rPr lang="en-US" dirty="0" smtClean="0">
-                <a:sym typeface="Wingdings" panose="05000000000000000000" pitchFamily="2" charset="2"/>
-              </a:rPr>
-              <a:t> PV”</a:t>
-            </a:r>
-          </a:p>
-          <a:p>
-            <a:pPr marL="914400" lvl="1" indent="-457200">
-              <a:buFont typeface="+mj-lt"/>
-              <a:buAutoNum type="arabicPeriod"/>
-            </a:pPr>
-            <a:r>
-              <a:rPr lang="en-US" dirty="0" smtClean="0">
-                <a:sym typeface="Wingdings" panose="05000000000000000000" pitchFamily="2" charset="2"/>
-              </a:rPr>
-              <a:t>Add </a:t>
-            </a:r>
-            <a:r>
-              <a:rPr lang="en-US" dirty="0" err="1" smtClean="0">
-                <a:sym typeface="Wingdings" panose="05000000000000000000" pitchFamily="2" charset="2"/>
-              </a:rPr>
-              <a:t>Balmorel</a:t>
-            </a:r>
-            <a:r>
-              <a:rPr lang="en-US" dirty="0" smtClean="0">
-                <a:sym typeface="Wingdings" panose="05000000000000000000" pitchFamily="2" charset="2"/>
-              </a:rPr>
-              <a:t> Technology classifications “For example: K5_GNR_WT_WIND_ONSHORE_2030”</a:t>
-            </a:r>
             <a:endParaRPr lang="en-US" dirty="0">
-              <a:sym typeface="Wingdings" panose="05000000000000000000" pitchFamily="2" charset="2"/>
-            </a:endParaRPr>
-          </a:p>
-          <a:p>
-            <a:pPr marL="914400" lvl="1" indent="-457200">
-              <a:buFont typeface="+mj-lt"/>
-              <a:buAutoNum type="arabicPeriod"/>
-            </a:pPr>
-            <a:r>
-              <a:rPr lang="en-US" dirty="0" smtClean="0">
-                <a:sym typeface="Wingdings" panose="05000000000000000000" pitchFamily="2" charset="2"/>
-              </a:rPr>
-              <a:t>Add table data to Power Pivot model “</a:t>
-            </a:r>
-            <a:r>
-              <a:rPr lang="en-US" dirty="0" err="1" smtClean="0">
-                <a:sym typeface="Wingdings" panose="05000000000000000000" pitchFamily="2" charset="2"/>
-              </a:rPr>
-              <a:t>Daten</a:t>
-            </a:r>
-            <a:r>
-              <a:rPr lang="en-US" dirty="0" smtClean="0">
-                <a:sym typeface="Wingdings" panose="05000000000000000000" pitchFamily="2" charset="2"/>
-              </a:rPr>
-              <a:t>” “</a:t>
-            </a:r>
-            <a:r>
-              <a:rPr lang="en-US" dirty="0" err="1" smtClean="0">
-                <a:sym typeface="Wingdings" panose="05000000000000000000" pitchFamily="2" charset="2"/>
-              </a:rPr>
-              <a:t>aus</a:t>
-            </a:r>
-            <a:r>
-              <a:rPr lang="en-US" dirty="0" smtClean="0">
-                <a:sym typeface="Wingdings" panose="05000000000000000000" pitchFamily="2" charset="2"/>
-              </a:rPr>
-              <a:t> </a:t>
-            </a:r>
-            <a:r>
-              <a:rPr lang="en-US" dirty="0" err="1" smtClean="0">
-                <a:sym typeface="Wingdings" panose="05000000000000000000" pitchFamily="2" charset="2"/>
-              </a:rPr>
-              <a:t>Tabelle</a:t>
-            </a:r>
-            <a:r>
-              <a:rPr lang="en-US" dirty="0" smtClean="0">
-                <a:sym typeface="Wingdings" panose="05000000000000000000" pitchFamily="2" charset="2"/>
-              </a:rPr>
-              <a:t>”</a:t>
-            </a:r>
-          </a:p>
-          <a:p>
-            <a:pPr marL="1371600" lvl="2" indent="-457200">
-              <a:buFont typeface="+mj-lt"/>
-              <a:buAutoNum type="arabicPeriod"/>
-            </a:pPr>
-            <a:r>
-              <a:rPr lang="en-US" dirty="0" smtClean="0">
-                <a:sym typeface="Wingdings" panose="05000000000000000000" pitchFamily="2" charset="2"/>
-              </a:rPr>
-              <a:t>“Start”  </a:t>
-            </a:r>
-            <a:r>
-              <a:rPr lang="en-US" dirty="0" err="1" smtClean="0">
-                <a:sym typeface="Wingdings" panose="05000000000000000000" pitchFamily="2" charset="2"/>
-              </a:rPr>
-              <a:t>Im</a:t>
-            </a:r>
-            <a:r>
-              <a:rPr lang="en-US" dirty="0" smtClean="0">
-                <a:sym typeface="Wingdings" panose="05000000000000000000" pitchFamily="2" charset="2"/>
-              </a:rPr>
-              <a:t> power query editor: </a:t>
-            </a:r>
-            <a:r>
-              <a:rPr lang="en-US" dirty="0" err="1" smtClean="0">
-                <a:sym typeface="Wingdings" panose="05000000000000000000" pitchFamily="2" charset="2"/>
-              </a:rPr>
-              <a:t>erste</a:t>
-            </a:r>
-            <a:r>
-              <a:rPr lang="en-US" dirty="0" smtClean="0">
-                <a:sym typeface="Wingdings" panose="05000000000000000000" pitchFamily="2" charset="2"/>
-              </a:rPr>
-              <a:t> </a:t>
-            </a:r>
-            <a:r>
-              <a:rPr lang="en-US" dirty="0" err="1" smtClean="0">
-                <a:sym typeface="Wingdings" panose="05000000000000000000" pitchFamily="2" charset="2"/>
-              </a:rPr>
-              <a:t>Zeile</a:t>
-            </a:r>
-            <a:r>
-              <a:rPr lang="en-US" dirty="0" smtClean="0">
-                <a:sym typeface="Wingdings" panose="05000000000000000000" pitchFamily="2" charset="2"/>
-              </a:rPr>
-              <a:t> </a:t>
-            </a:r>
-            <a:r>
-              <a:rPr lang="en-US" dirty="0" err="1" smtClean="0">
-                <a:sym typeface="Wingdings" panose="05000000000000000000" pitchFamily="2" charset="2"/>
-              </a:rPr>
-              <a:t>als</a:t>
-            </a:r>
-            <a:r>
-              <a:rPr lang="en-US" dirty="0" smtClean="0">
-                <a:sym typeface="Wingdings" panose="05000000000000000000" pitchFamily="2" charset="2"/>
-              </a:rPr>
-              <a:t> </a:t>
-            </a:r>
-            <a:r>
-              <a:rPr lang="en-US" dirty="0" err="1" smtClean="0">
-                <a:sym typeface="Wingdings" panose="05000000000000000000" pitchFamily="2" charset="2"/>
-              </a:rPr>
-              <a:t>überschrift</a:t>
-            </a:r>
-            <a:r>
-              <a:rPr lang="en-US" dirty="0" smtClean="0">
-                <a:sym typeface="Wingdings" panose="05000000000000000000" pitchFamily="2" charset="2"/>
-              </a:rPr>
-              <a:t> </a:t>
-            </a:r>
-            <a:r>
-              <a:rPr lang="en-US" dirty="0" err="1" smtClean="0">
-                <a:sym typeface="Wingdings" panose="05000000000000000000" pitchFamily="2" charset="2"/>
-              </a:rPr>
-              <a:t>verwenden</a:t>
-            </a:r>
-            <a:endParaRPr lang="en-US" dirty="0" smtClean="0">
-              <a:sym typeface="Wingdings" panose="05000000000000000000" pitchFamily="2" charset="2"/>
-            </a:endParaRPr>
-          </a:p>
-          <a:p>
-            <a:pPr marL="1371600" lvl="2" indent="-457200">
-              <a:buFont typeface="+mj-lt"/>
-              <a:buAutoNum type="arabicPeriod"/>
-            </a:pPr>
-            <a:r>
-              <a:rPr lang="en-US" dirty="0" smtClean="0">
-                <a:sym typeface="Wingdings" panose="05000000000000000000" pitchFamily="2" charset="2"/>
-              </a:rPr>
-              <a:t>“</a:t>
-            </a:r>
-            <a:r>
-              <a:rPr lang="en-US" dirty="0" err="1" smtClean="0">
-                <a:sym typeface="Wingdings" panose="05000000000000000000" pitchFamily="2" charset="2"/>
-              </a:rPr>
-              <a:t>Transformieren</a:t>
-            </a:r>
-            <a:r>
-              <a:rPr lang="en-US" dirty="0" smtClean="0">
-                <a:sym typeface="Wingdings" panose="05000000000000000000" pitchFamily="2" charset="2"/>
-              </a:rPr>
-              <a:t>”  </a:t>
-            </a:r>
-            <a:r>
-              <a:rPr lang="en-US" dirty="0" err="1" smtClean="0">
-                <a:sym typeface="Wingdings" panose="05000000000000000000" pitchFamily="2" charset="2"/>
-              </a:rPr>
-              <a:t>Länderspalten</a:t>
-            </a:r>
-            <a:r>
-              <a:rPr lang="en-US" dirty="0" smtClean="0">
-                <a:sym typeface="Wingdings" panose="05000000000000000000" pitchFamily="2" charset="2"/>
-              </a:rPr>
-              <a:t> “</a:t>
-            </a:r>
-            <a:r>
-              <a:rPr lang="en-US" dirty="0" err="1" smtClean="0">
-                <a:sym typeface="Wingdings" panose="05000000000000000000" pitchFamily="2" charset="2"/>
-              </a:rPr>
-              <a:t>entpivotisieren</a:t>
-            </a:r>
-            <a:r>
-              <a:rPr lang="en-US" dirty="0" smtClean="0">
-                <a:sym typeface="Wingdings" panose="05000000000000000000" pitchFamily="2" charset="2"/>
-              </a:rPr>
-              <a:t>”</a:t>
-            </a:r>
-          </a:p>
-          <a:p>
-            <a:pPr marL="1371600" lvl="2" indent="-457200">
-              <a:buFont typeface="+mj-lt"/>
-              <a:buAutoNum type="arabicPeriod"/>
-            </a:pPr>
-            <a:r>
-              <a:rPr lang="en-US" dirty="0" err="1" smtClean="0">
-                <a:sym typeface="Wingdings" panose="05000000000000000000" pitchFamily="2" charset="2"/>
-              </a:rPr>
-              <a:t>Daten</a:t>
-            </a:r>
-            <a:r>
-              <a:rPr lang="en-US" dirty="0" smtClean="0">
-                <a:sym typeface="Wingdings" panose="05000000000000000000" pitchFamily="2" charset="2"/>
-              </a:rPr>
-              <a:t> </a:t>
-            </a:r>
-            <a:r>
-              <a:rPr lang="en-US" dirty="0" err="1" smtClean="0">
-                <a:sym typeface="Wingdings" panose="05000000000000000000" pitchFamily="2" charset="2"/>
-              </a:rPr>
-              <a:t>rauskopieren</a:t>
-            </a:r>
-            <a:r>
-              <a:rPr lang="en-US" dirty="0" smtClean="0">
-                <a:sym typeface="Wingdings" panose="05000000000000000000" pitchFamily="2" charset="2"/>
-              </a:rPr>
-              <a:t>  </a:t>
-            </a:r>
-            <a:r>
-              <a:rPr lang="en-US" dirty="0" err="1" smtClean="0">
-                <a:sym typeface="Wingdings" panose="05000000000000000000" pitchFamily="2" charset="2"/>
-              </a:rPr>
-              <a:t>nach</a:t>
-            </a:r>
-            <a:r>
-              <a:rPr lang="en-US" dirty="0" smtClean="0">
-                <a:sym typeface="Wingdings" panose="05000000000000000000" pitchFamily="2" charset="2"/>
-              </a:rPr>
-              <a:t> Offshore filter</a:t>
-            </a:r>
-          </a:p>
-          <a:p>
-            <a:pPr marL="1828800" lvl="3" indent="-457200">
-              <a:buFont typeface="+mj-lt"/>
-              <a:buAutoNum type="arabicPeriod"/>
-            </a:pPr>
-            <a:r>
-              <a:rPr lang="en-US" dirty="0" err="1" smtClean="0">
-                <a:sym typeface="Wingdings" panose="05000000000000000000" pitchFamily="2" charset="2"/>
-              </a:rPr>
-              <a:t>Bei</a:t>
-            </a:r>
-            <a:r>
-              <a:rPr lang="en-US" dirty="0" smtClean="0">
-                <a:sym typeface="Wingdings" panose="05000000000000000000" pitchFamily="2" charset="2"/>
-              </a:rPr>
-              <a:t> Offshore: =</a:t>
-            </a:r>
-            <a:r>
-              <a:rPr lang="en-US" dirty="0" err="1" smtClean="0">
-                <a:sym typeface="Wingdings" panose="05000000000000000000" pitchFamily="2" charset="2"/>
-              </a:rPr>
-              <a:t>Verknüpfen</a:t>
-            </a:r>
-            <a:r>
-              <a:rPr lang="en-US" dirty="0" smtClean="0">
-                <a:sym typeface="Wingdings" panose="05000000000000000000" pitchFamily="2" charset="2"/>
-              </a:rPr>
-              <a:t>(“AT”, “.”, “Offshore”)</a:t>
-            </a:r>
-          </a:p>
-          <a:p>
-            <a:pPr marL="1371600" lvl="2" indent="-457200">
-              <a:buFont typeface="+mj-lt"/>
-              <a:buAutoNum type="arabicPeriod"/>
-            </a:pPr>
-            <a:r>
-              <a:rPr lang="en-US" dirty="0" smtClean="0">
-                <a:sym typeface="Wingdings" panose="05000000000000000000" pitchFamily="2" charset="2"/>
-              </a:rPr>
-              <a:t>Copy RES capacities to </a:t>
-            </a:r>
-            <a:r>
-              <a:rPr lang="en-US" dirty="0" err="1"/>
-              <a:t>Balmorel_data_input</a:t>
-            </a:r>
-            <a:r>
-              <a:rPr lang="en-US" dirty="0"/>
-              <a:t> (15)</a:t>
-            </a:r>
-            <a:endParaRPr lang="en-US" dirty="0" smtClean="0">
               <a:sym typeface="Wingdings" panose="05000000000000000000" pitchFamily="2" charset="2"/>
             </a:endParaRPr>
           </a:p>
@@ -4298,7 +4293,694 @@
     </p:spTree>
     <p:extLst>
       <p:ext uri="{BB962C8B-B14F-4D97-AF65-F5344CB8AC3E}">
-        <p14:creationId xmlns:p14="http://schemas.microsoft.com/office/powerpoint/2010/main" val="1081210085"/>
+        <p14:creationId xmlns:p14="http://schemas.microsoft.com/office/powerpoint/2010/main" val="3102287748"/>
+      </p:ext>
+    </p:extLst>
+  </p:cSld>
+  <p:clrMapOvr>
+    <a:masterClrMapping/>
+  </p:clrMapOvr>
+</p:sld>
+</file>
+
+<file path=ppt/slides/slide8.xml><?xml version="1.0" encoding="utf-8"?>
+<p:sld xmlns:a="http://schemas.openxmlformats.org/drawingml/2006/main" xmlns:r="http://schemas.openxmlformats.org/officeDocument/2006/relationships" xmlns:p="http://schemas.openxmlformats.org/presentationml/2006/main">
+  <p:cSld>
+    <p:spTree>
+      <p:nvGrpSpPr>
+        <p:cNvPr id="1" name=""/>
+        <p:cNvGrpSpPr/>
+        <p:nvPr/>
+      </p:nvGrpSpPr>
+      <p:grpSpPr>
+        <a:xfrm>
+          <a:off x="0" y="0"/>
+          <a:ext cx="0" cy="0"/>
+          <a:chOff x="0" y="0"/>
+          <a:chExt cx="0" cy="0"/>
+        </a:xfrm>
+      </p:grpSpPr>
+      <p:sp>
+        <p:nvSpPr>
+          <p:cNvPr id="2" name="Titel 1"/>
+          <p:cNvSpPr>
+            <a:spLocks noGrp="1"/>
+          </p:cNvSpPr>
+          <p:nvPr>
+            <p:ph type="title"/>
+          </p:nvPr>
+        </p:nvSpPr>
+        <p:spPr/>
+        <p:txBody>
+          <a:bodyPr/>
+          <a:lstStyle/>
+          <a:p>
+            <a:r>
+              <a:rPr lang="en-US" dirty="0"/>
+              <a:t>(15) </a:t>
+            </a:r>
+            <a:r>
+              <a:rPr lang="en-US" dirty="0" smtClean="0"/>
+              <a:t>Changes </a:t>
+            </a:r>
+            <a:r>
+              <a:rPr lang="en-US" dirty="0" smtClean="0"/>
+              <a:t>on </a:t>
+            </a:r>
+            <a:r>
+              <a:rPr lang="en-US" dirty="0" err="1" smtClean="0"/>
+              <a:t>Balmorel_data_input</a:t>
+            </a:r>
+            <a:endParaRPr lang="en-US" dirty="0"/>
+          </a:p>
+        </p:txBody>
+      </p:sp>
+      <p:sp>
+        <p:nvSpPr>
+          <p:cNvPr id="3" name="Inhaltsplatzhalter 2"/>
+          <p:cNvSpPr>
+            <a:spLocks noGrp="1"/>
+          </p:cNvSpPr>
+          <p:nvPr>
+            <p:ph idx="1"/>
+          </p:nvPr>
+        </p:nvSpPr>
+        <p:spPr/>
+        <p:txBody>
+          <a:bodyPr>
+            <a:normAutofit/>
+          </a:bodyPr>
+          <a:lstStyle/>
+          <a:p>
+            <a:pPr marL="571500" indent="-571500">
+              <a:buFont typeface="+mj-lt"/>
+              <a:buAutoNum type="romanUcPeriod" startAt="2"/>
+            </a:pPr>
+            <a:r>
+              <a:rPr lang="en-US" b="1" dirty="0"/>
+              <a:t>Inclusion of RES-Power plants data </a:t>
+            </a:r>
+          </a:p>
+          <a:p>
+            <a:r>
+              <a:rPr lang="en-US" dirty="0" smtClean="0"/>
+              <a:t>Source </a:t>
+            </a:r>
+            <a:r>
+              <a:rPr lang="en-US" dirty="0" smtClean="0"/>
+              <a:t>here: “Balmorel_data_input_GX_scen.xlsx” </a:t>
+            </a:r>
+            <a:r>
+              <a:rPr lang="en-US" dirty="0" smtClean="0">
+                <a:sym typeface="Wingdings" panose="05000000000000000000" pitchFamily="2" charset="2"/>
+              </a:rPr>
+              <a:t> Gustav GX runs</a:t>
+            </a:r>
+          </a:p>
+          <a:p>
+            <a:r>
+              <a:rPr lang="en-US" dirty="0" smtClean="0">
+                <a:sym typeface="Wingdings" panose="05000000000000000000" pitchFamily="2" charset="2"/>
+              </a:rPr>
+              <a:t>Trick: Use Power Pivot </a:t>
+            </a:r>
+            <a:r>
+              <a:rPr lang="en-US" dirty="0" err="1" smtClean="0">
+                <a:sym typeface="Wingdings" panose="05000000000000000000" pitchFamily="2" charset="2"/>
+              </a:rPr>
+              <a:t>Addon</a:t>
+            </a:r>
+            <a:endParaRPr lang="en-US" dirty="0" smtClean="0">
+              <a:sym typeface="Wingdings" panose="05000000000000000000" pitchFamily="2" charset="2"/>
+            </a:endParaRPr>
+          </a:p>
+          <a:p>
+            <a:pPr marL="914400" lvl="1" indent="-457200">
+              <a:buFont typeface="+mj-lt"/>
+              <a:buAutoNum type="arabicPeriod"/>
+            </a:pPr>
+            <a:r>
+              <a:rPr lang="en-US" dirty="0" smtClean="0">
+                <a:sym typeface="Wingdings" panose="05000000000000000000" pitchFamily="2" charset="2"/>
+              </a:rPr>
+              <a:t>Calculate and add row “</a:t>
+            </a:r>
+            <a:r>
+              <a:rPr lang="en-US" dirty="0" err="1" smtClean="0">
+                <a:sym typeface="Wingdings" panose="05000000000000000000" pitchFamily="2" charset="2"/>
+              </a:rPr>
+              <a:t>Centralised</a:t>
+            </a:r>
+            <a:r>
+              <a:rPr lang="en-US" dirty="0" smtClean="0">
+                <a:sym typeface="Wingdings" panose="05000000000000000000" pitchFamily="2" charset="2"/>
+              </a:rPr>
+              <a:t> PV”</a:t>
+            </a:r>
+          </a:p>
+          <a:p>
+            <a:pPr marL="914400" lvl="1" indent="-457200">
+              <a:buFont typeface="+mj-lt"/>
+              <a:buAutoNum type="arabicPeriod"/>
+            </a:pPr>
+            <a:r>
+              <a:rPr lang="en-US" dirty="0" smtClean="0">
+                <a:sym typeface="Wingdings" panose="05000000000000000000" pitchFamily="2" charset="2"/>
+              </a:rPr>
+              <a:t>Add </a:t>
+            </a:r>
+            <a:r>
+              <a:rPr lang="en-US" dirty="0" err="1" smtClean="0">
+                <a:sym typeface="Wingdings" panose="05000000000000000000" pitchFamily="2" charset="2"/>
+              </a:rPr>
+              <a:t>Balmorel</a:t>
+            </a:r>
+            <a:r>
+              <a:rPr lang="en-US" dirty="0" smtClean="0">
+                <a:sym typeface="Wingdings" panose="05000000000000000000" pitchFamily="2" charset="2"/>
+              </a:rPr>
+              <a:t> Technology classifications “For example: K5_GNR_WT_WIND_ONSHORE_2030</a:t>
+            </a:r>
+            <a:r>
+              <a:rPr lang="en-US" dirty="0" smtClean="0">
+                <a:sym typeface="Wingdings" panose="05000000000000000000" pitchFamily="2" charset="2"/>
+              </a:rPr>
+              <a:t>”</a:t>
+            </a:r>
+          </a:p>
+          <a:p>
+            <a:pPr marL="914400" lvl="1" indent="-457200">
+              <a:buFont typeface="+mj-lt"/>
+              <a:buAutoNum type="arabicPeriod"/>
+            </a:pPr>
+            <a:endParaRPr lang="en-US" dirty="0">
+              <a:sym typeface="Wingdings" panose="05000000000000000000" pitchFamily="2" charset="2"/>
+            </a:endParaRPr>
+          </a:p>
+          <a:p>
+            <a:pPr marL="1371600" lvl="3" indent="0">
+              <a:buNone/>
+            </a:pPr>
+            <a:endParaRPr lang="en-US" dirty="0" smtClean="0">
+              <a:sym typeface="Wingdings" panose="05000000000000000000" pitchFamily="2" charset="2"/>
+            </a:endParaRPr>
+          </a:p>
+          <a:p>
+            <a:pPr marL="914400" lvl="1" indent="-457200">
+              <a:buFont typeface="+mj-lt"/>
+              <a:buAutoNum type="arabicPeriod"/>
+            </a:pPr>
+            <a:endParaRPr lang="en-US" dirty="0" smtClean="0">
+              <a:sym typeface="Wingdings" panose="05000000000000000000" pitchFamily="2" charset="2"/>
+            </a:endParaRPr>
+          </a:p>
+          <a:p>
+            <a:pPr marL="914400" lvl="1" indent="-457200">
+              <a:buFont typeface="+mj-lt"/>
+              <a:buAutoNum type="arabicPeriod"/>
+            </a:pPr>
+            <a:endParaRPr lang="en-US" dirty="0" smtClean="0"/>
+          </a:p>
+          <a:p>
+            <a:endParaRPr lang="en-US" dirty="0" smtClean="0"/>
+          </a:p>
+          <a:p>
+            <a:endParaRPr lang="en-US" dirty="0"/>
+          </a:p>
+        </p:txBody>
+      </p:sp>
+      <p:pic>
+        <p:nvPicPr>
+          <p:cNvPr id="4" name="Grafik 3"/>
+          <p:cNvPicPr>
+            <a:picLocks noChangeAspect="1"/>
+          </p:cNvPicPr>
+          <p:nvPr/>
+        </p:nvPicPr>
+        <p:blipFill>
+          <a:blip r:embed="rId2"/>
+          <a:stretch>
+            <a:fillRect/>
+          </a:stretch>
+        </p:blipFill>
+        <p:spPr>
+          <a:xfrm>
+            <a:off x="838200" y="4384115"/>
+            <a:ext cx="8688012" cy="2238687"/>
+          </a:xfrm>
+          <a:prstGeom prst="rect">
+            <a:avLst/>
+          </a:prstGeom>
+        </p:spPr>
+      </p:pic>
+    </p:spTree>
+    <p:extLst>
+      <p:ext uri="{BB962C8B-B14F-4D97-AF65-F5344CB8AC3E}">
+        <p14:creationId xmlns:p14="http://schemas.microsoft.com/office/powerpoint/2010/main" val="436152775"/>
+      </p:ext>
+    </p:extLst>
+  </p:cSld>
+  <p:clrMapOvr>
+    <a:masterClrMapping/>
+  </p:clrMapOvr>
+</p:sld>
+</file>
+
+<file path=ppt/slides/slide9.xml><?xml version="1.0" encoding="utf-8"?>
+<p:sld xmlns:a="http://schemas.openxmlformats.org/drawingml/2006/main" xmlns:r="http://schemas.openxmlformats.org/officeDocument/2006/relationships" xmlns:p="http://schemas.openxmlformats.org/presentationml/2006/main">
+  <p:cSld>
+    <p:spTree>
+      <p:nvGrpSpPr>
+        <p:cNvPr id="1" name=""/>
+        <p:cNvGrpSpPr/>
+        <p:nvPr/>
+      </p:nvGrpSpPr>
+      <p:grpSpPr>
+        <a:xfrm>
+          <a:off x="0" y="0"/>
+          <a:ext cx="0" cy="0"/>
+          <a:chOff x="0" y="0"/>
+          <a:chExt cx="0" cy="0"/>
+        </a:xfrm>
+      </p:grpSpPr>
+      <p:sp>
+        <p:nvSpPr>
+          <p:cNvPr id="2" name="Titel 1"/>
+          <p:cNvSpPr>
+            <a:spLocks noGrp="1"/>
+          </p:cNvSpPr>
+          <p:nvPr>
+            <p:ph type="title"/>
+          </p:nvPr>
+        </p:nvSpPr>
+        <p:spPr/>
+        <p:txBody>
+          <a:bodyPr/>
+          <a:lstStyle/>
+          <a:p>
+            <a:r>
+              <a:rPr lang="en-US" dirty="0"/>
+              <a:t>(15</a:t>
+            </a:r>
+            <a:r>
+              <a:rPr lang="en-US" dirty="0" smtClean="0"/>
+              <a:t>) Changes </a:t>
+            </a:r>
+            <a:r>
+              <a:rPr lang="en-US" dirty="0" smtClean="0"/>
+              <a:t>on </a:t>
+            </a:r>
+            <a:r>
+              <a:rPr lang="en-US" dirty="0" err="1" smtClean="0"/>
+              <a:t>Balmorel_data_input</a:t>
+            </a:r>
+            <a:endParaRPr lang="en-US" dirty="0"/>
+          </a:p>
+        </p:txBody>
+      </p:sp>
+      <p:sp>
+        <p:nvSpPr>
+          <p:cNvPr id="3" name="Inhaltsplatzhalter 2"/>
+          <p:cNvSpPr>
+            <a:spLocks noGrp="1"/>
+          </p:cNvSpPr>
+          <p:nvPr>
+            <p:ph idx="1"/>
+          </p:nvPr>
+        </p:nvSpPr>
+        <p:spPr/>
+        <p:txBody>
+          <a:bodyPr>
+            <a:normAutofit/>
+          </a:bodyPr>
+          <a:lstStyle/>
+          <a:p>
+            <a:pPr marL="571500" indent="-571500">
+              <a:buFont typeface="+mj-lt"/>
+              <a:buAutoNum type="romanUcPeriod" startAt="2"/>
+            </a:pPr>
+            <a:r>
+              <a:rPr lang="en-US" b="1" dirty="0"/>
+              <a:t>Inclusion of RES-Power plants data </a:t>
+            </a:r>
+          </a:p>
+          <a:p>
+            <a:r>
+              <a:rPr lang="en-US" dirty="0" smtClean="0"/>
+              <a:t>Source </a:t>
+            </a:r>
+            <a:r>
+              <a:rPr lang="en-US" dirty="0" smtClean="0"/>
+              <a:t>here: “Balmorel_data_input_GX_scen.xlsx” </a:t>
+            </a:r>
+            <a:r>
+              <a:rPr lang="en-US" dirty="0" smtClean="0">
+                <a:sym typeface="Wingdings" panose="05000000000000000000" pitchFamily="2" charset="2"/>
+              </a:rPr>
+              <a:t> Gustav GX runs</a:t>
+            </a:r>
+          </a:p>
+          <a:p>
+            <a:pPr marL="914400" lvl="1" indent="-457200">
+              <a:buFont typeface="+mj-lt"/>
+              <a:buAutoNum type="arabicPeriod"/>
+            </a:pPr>
+            <a:r>
+              <a:rPr lang="en-US" dirty="0" smtClean="0">
+                <a:sym typeface="Wingdings" panose="05000000000000000000" pitchFamily="2" charset="2"/>
+              </a:rPr>
+              <a:t>Trick</a:t>
+            </a:r>
+            <a:r>
+              <a:rPr lang="en-US" dirty="0">
+                <a:sym typeface="Wingdings" panose="05000000000000000000" pitchFamily="2" charset="2"/>
+              </a:rPr>
+              <a:t>: Use Power Pivot </a:t>
+            </a:r>
+            <a:r>
+              <a:rPr lang="en-US" dirty="0" err="1" smtClean="0">
+                <a:sym typeface="Wingdings" panose="05000000000000000000" pitchFamily="2" charset="2"/>
+              </a:rPr>
+              <a:t>Addon</a:t>
+            </a:r>
+            <a:endParaRPr lang="en-US" dirty="0" smtClean="0">
+              <a:sym typeface="Wingdings" panose="05000000000000000000" pitchFamily="2" charset="2"/>
+            </a:endParaRPr>
+          </a:p>
+          <a:p>
+            <a:pPr marL="1371600" lvl="2" indent="-457200">
+              <a:buFont typeface="+mj-lt"/>
+              <a:buAutoNum type="arabicPeriod"/>
+            </a:pPr>
+            <a:r>
+              <a:rPr lang="en-US" dirty="0" smtClean="0">
+                <a:sym typeface="Wingdings" panose="05000000000000000000" pitchFamily="2" charset="2"/>
+              </a:rPr>
+              <a:t>Add </a:t>
+            </a:r>
+            <a:r>
+              <a:rPr lang="en-US" dirty="0" smtClean="0">
+                <a:sym typeface="Wingdings" panose="05000000000000000000" pitchFamily="2" charset="2"/>
+              </a:rPr>
+              <a:t>table data to Power Pivot model “</a:t>
+            </a:r>
+            <a:r>
+              <a:rPr lang="en-US" dirty="0" err="1" smtClean="0">
+                <a:sym typeface="Wingdings" panose="05000000000000000000" pitchFamily="2" charset="2"/>
+              </a:rPr>
+              <a:t>Daten</a:t>
+            </a:r>
+            <a:r>
+              <a:rPr lang="en-US" dirty="0" smtClean="0">
+                <a:sym typeface="Wingdings" panose="05000000000000000000" pitchFamily="2" charset="2"/>
+              </a:rPr>
+              <a:t>” “</a:t>
+            </a:r>
+            <a:r>
+              <a:rPr lang="en-US" dirty="0" err="1" smtClean="0">
+                <a:sym typeface="Wingdings" panose="05000000000000000000" pitchFamily="2" charset="2"/>
+              </a:rPr>
+              <a:t>aus</a:t>
+            </a:r>
+            <a:r>
+              <a:rPr lang="en-US" dirty="0" smtClean="0">
+                <a:sym typeface="Wingdings" panose="05000000000000000000" pitchFamily="2" charset="2"/>
+              </a:rPr>
+              <a:t> </a:t>
+            </a:r>
+            <a:r>
+              <a:rPr lang="en-US" dirty="0" err="1" smtClean="0">
+                <a:sym typeface="Wingdings" panose="05000000000000000000" pitchFamily="2" charset="2"/>
+              </a:rPr>
+              <a:t>Tabelle</a:t>
+            </a:r>
+            <a:r>
+              <a:rPr lang="en-US" dirty="0" smtClean="0">
+                <a:sym typeface="Wingdings" panose="05000000000000000000" pitchFamily="2" charset="2"/>
+              </a:rPr>
+              <a:t>”</a:t>
+            </a:r>
+          </a:p>
+          <a:p>
+            <a:pPr marL="1828800" lvl="3" indent="-457200">
+              <a:buFont typeface="+mj-lt"/>
+              <a:buAutoNum type="arabicPeriod"/>
+            </a:pPr>
+            <a:r>
+              <a:rPr lang="en-US" dirty="0" smtClean="0">
+                <a:sym typeface="Wingdings" panose="05000000000000000000" pitchFamily="2" charset="2"/>
+              </a:rPr>
+              <a:t>“Start”  </a:t>
+            </a:r>
+            <a:r>
+              <a:rPr lang="en-US" dirty="0" err="1" smtClean="0">
+                <a:sym typeface="Wingdings" panose="05000000000000000000" pitchFamily="2" charset="2"/>
+              </a:rPr>
+              <a:t>Im</a:t>
+            </a:r>
+            <a:r>
+              <a:rPr lang="en-US" dirty="0" smtClean="0">
+                <a:sym typeface="Wingdings" panose="05000000000000000000" pitchFamily="2" charset="2"/>
+              </a:rPr>
+              <a:t> power query editor: </a:t>
+            </a:r>
+            <a:r>
+              <a:rPr lang="en-US" dirty="0" err="1" smtClean="0">
+                <a:sym typeface="Wingdings" panose="05000000000000000000" pitchFamily="2" charset="2"/>
+              </a:rPr>
+              <a:t>erste</a:t>
+            </a:r>
+            <a:r>
+              <a:rPr lang="en-US" dirty="0" smtClean="0">
+                <a:sym typeface="Wingdings" panose="05000000000000000000" pitchFamily="2" charset="2"/>
+              </a:rPr>
+              <a:t> </a:t>
+            </a:r>
+            <a:r>
+              <a:rPr lang="en-US" dirty="0" err="1" smtClean="0">
+                <a:sym typeface="Wingdings" panose="05000000000000000000" pitchFamily="2" charset="2"/>
+              </a:rPr>
+              <a:t>Zeile</a:t>
+            </a:r>
+            <a:r>
+              <a:rPr lang="en-US" dirty="0" smtClean="0">
+                <a:sym typeface="Wingdings" panose="05000000000000000000" pitchFamily="2" charset="2"/>
+              </a:rPr>
+              <a:t> </a:t>
+            </a:r>
+            <a:r>
+              <a:rPr lang="en-US" dirty="0" err="1" smtClean="0">
+                <a:sym typeface="Wingdings" panose="05000000000000000000" pitchFamily="2" charset="2"/>
+              </a:rPr>
+              <a:t>als</a:t>
+            </a:r>
+            <a:r>
+              <a:rPr lang="en-US" dirty="0" smtClean="0">
+                <a:sym typeface="Wingdings" panose="05000000000000000000" pitchFamily="2" charset="2"/>
+              </a:rPr>
+              <a:t> </a:t>
+            </a:r>
+            <a:r>
+              <a:rPr lang="en-US" dirty="0" err="1" smtClean="0">
+                <a:sym typeface="Wingdings" panose="05000000000000000000" pitchFamily="2" charset="2"/>
+              </a:rPr>
+              <a:t>überschrift</a:t>
+            </a:r>
+            <a:r>
+              <a:rPr lang="en-US" dirty="0" smtClean="0">
+                <a:sym typeface="Wingdings" panose="05000000000000000000" pitchFamily="2" charset="2"/>
+              </a:rPr>
+              <a:t> </a:t>
+            </a:r>
+            <a:r>
+              <a:rPr lang="en-US" dirty="0" err="1" smtClean="0">
+                <a:sym typeface="Wingdings" panose="05000000000000000000" pitchFamily="2" charset="2"/>
+              </a:rPr>
+              <a:t>verwenden</a:t>
+            </a:r>
+            <a:endParaRPr lang="en-US" dirty="0" smtClean="0">
+              <a:sym typeface="Wingdings" panose="05000000000000000000" pitchFamily="2" charset="2"/>
+            </a:endParaRPr>
+          </a:p>
+          <a:p>
+            <a:pPr marL="1828800" lvl="3" indent="-457200">
+              <a:buFont typeface="+mj-lt"/>
+              <a:buAutoNum type="arabicPeriod"/>
+            </a:pPr>
+            <a:r>
+              <a:rPr lang="en-US" dirty="0" smtClean="0">
+                <a:sym typeface="Wingdings" panose="05000000000000000000" pitchFamily="2" charset="2"/>
+              </a:rPr>
+              <a:t>“</a:t>
+            </a:r>
+            <a:r>
+              <a:rPr lang="en-US" dirty="0" err="1" smtClean="0">
+                <a:sym typeface="Wingdings" panose="05000000000000000000" pitchFamily="2" charset="2"/>
+              </a:rPr>
+              <a:t>Transformieren</a:t>
+            </a:r>
+            <a:r>
+              <a:rPr lang="en-US" dirty="0" smtClean="0">
+                <a:sym typeface="Wingdings" panose="05000000000000000000" pitchFamily="2" charset="2"/>
+              </a:rPr>
+              <a:t>”  </a:t>
+            </a:r>
+            <a:r>
+              <a:rPr lang="en-US" dirty="0" err="1" smtClean="0">
+                <a:sym typeface="Wingdings" panose="05000000000000000000" pitchFamily="2" charset="2"/>
+              </a:rPr>
+              <a:t>Länderspalten</a:t>
+            </a:r>
+            <a:r>
+              <a:rPr lang="en-US" dirty="0" smtClean="0">
+                <a:sym typeface="Wingdings" panose="05000000000000000000" pitchFamily="2" charset="2"/>
+              </a:rPr>
+              <a:t> “</a:t>
+            </a:r>
+            <a:r>
+              <a:rPr lang="en-US" dirty="0" err="1" smtClean="0">
+                <a:sym typeface="Wingdings" panose="05000000000000000000" pitchFamily="2" charset="2"/>
+              </a:rPr>
+              <a:t>entpivotisieren</a:t>
+            </a:r>
+            <a:r>
+              <a:rPr lang="en-US" dirty="0" smtClean="0">
+                <a:sym typeface="Wingdings" panose="05000000000000000000" pitchFamily="2" charset="2"/>
+              </a:rPr>
+              <a:t>”</a:t>
+            </a:r>
+          </a:p>
+          <a:p>
+            <a:pPr marL="1828800" lvl="3" indent="-457200">
+              <a:buFont typeface="+mj-lt"/>
+              <a:buAutoNum type="arabicPeriod"/>
+            </a:pPr>
+            <a:r>
+              <a:rPr lang="en-US" dirty="0" err="1" smtClean="0">
+                <a:sym typeface="Wingdings" panose="05000000000000000000" pitchFamily="2" charset="2"/>
+              </a:rPr>
+              <a:t>Daten</a:t>
+            </a:r>
+            <a:r>
+              <a:rPr lang="en-US" dirty="0" smtClean="0">
+                <a:sym typeface="Wingdings" panose="05000000000000000000" pitchFamily="2" charset="2"/>
+              </a:rPr>
+              <a:t> </a:t>
+            </a:r>
+            <a:r>
+              <a:rPr lang="en-US" dirty="0" err="1" smtClean="0">
+                <a:sym typeface="Wingdings" panose="05000000000000000000" pitchFamily="2" charset="2"/>
+              </a:rPr>
+              <a:t>rauskopieren</a:t>
+            </a:r>
+            <a:r>
+              <a:rPr lang="en-US" dirty="0" smtClean="0">
+                <a:sym typeface="Wingdings" panose="05000000000000000000" pitchFamily="2" charset="2"/>
+              </a:rPr>
+              <a:t>  </a:t>
+            </a:r>
+            <a:r>
+              <a:rPr lang="en-US" dirty="0" err="1" smtClean="0">
+                <a:sym typeface="Wingdings" panose="05000000000000000000" pitchFamily="2" charset="2"/>
+              </a:rPr>
+              <a:t>nach</a:t>
+            </a:r>
+            <a:r>
+              <a:rPr lang="en-US" dirty="0" smtClean="0">
+                <a:sym typeface="Wingdings" panose="05000000000000000000" pitchFamily="2" charset="2"/>
+              </a:rPr>
+              <a:t> Offshore filter</a:t>
+            </a:r>
+          </a:p>
+          <a:p>
+            <a:pPr marL="1828800" lvl="3" indent="-457200">
+              <a:buFont typeface="+mj-lt"/>
+              <a:buAutoNum type="arabicPeriod"/>
+            </a:pPr>
+            <a:r>
+              <a:rPr lang="en-US" dirty="0" err="1" smtClean="0">
+                <a:sym typeface="Wingdings" panose="05000000000000000000" pitchFamily="2" charset="2"/>
+              </a:rPr>
+              <a:t>Bei</a:t>
+            </a:r>
+            <a:r>
+              <a:rPr lang="en-US" dirty="0" smtClean="0">
+                <a:sym typeface="Wingdings" panose="05000000000000000000" pitchFamily="2" charset="2"/>
+              </a:rPr>
+              <a:t> Offshore: =</a:t>
+            </a:r>
+            <a:r>
+              <a:rPr lang="en-US" dirty="0" err="1" smtClean="0">
+                <a:sym typeface="Wingdings" panose="05000000000000000000" pitchFamily="2" charset="2"/>
+              </a:rPr>
+              <a:t>Verknüpfen</a:t>
+            </a:r>
+            <a:r>
+              <a:rPr lang="en-US" dirty="0" smtClean="0">
+                <a:sym typeface="Wingdings" panose="05000000000000000000" pitchFamily="2" charset="2"/>
+              </a:rPr>
+              <a:t>(“AT”, “.”, “Offshore”)</a:t>
+            </a:r>
+          </a:p>
+          <a:p>
+            <a:pPr marL="914400" lvl="1" indent="-457200">
+              <a:buFont typeface="+mj-lt"/>
+              <a:buAutoNum type="arabicPeriod"/>
+            </a:pPr>
+            <a:r>
+              <a:rPr lang="en-US" dirty="0" smtClean="0">
+                <a:sym typeface="Wingdings" panose="05000000000000000000" pitchFamily="2" charset="2"/>
+              </a:rPr>
+              <a:t>Copy RES capacities to </a:t>
+            </a:r>
+            <a:r>
+              <a:rPr lang="en-US" dirty="0" err="1"/>
+              <a:t>Balmorel_data_input</a:t>
+            </a:r>
+            <a:r>
+              <a:rPr lang="en-US" dirty="0"/>
+              <a:t> (15)</a:t>
+            </a:r>
+            <a:endParaRPr lang="en-US" dirty="0" smtClean="0">
+              <a:sym typeface="Wingdings" panose="05000000000000000000" pitchFamily="2" charset="2"/>
+            </a:endParaRPr>
+          </a:p>
+          <a:p>
+            <a:pPr marL="1371600" lvl="3" indent="0">
+              <a:buNone/>
+            </a:pPr>
+            <a:endParaRPr lang="en-US" dirty="0" smtClean="0">
+              <a:sym typeface="Wingdings" panose="05000000000000000000" pitchFamily="2" charset="2"/>
+            </a:endParaRPr>
+          </a:p>
+          <a:p>
+            <a:pPr marL="914400" lvl="1" indent="-457200">
+              <a:buFont typeface="+mj-lt"/>
+              <a:buAutoNum type="arabicPeriod"/>
+            </a:pPr>
+            <a:endParaRPr lang="en-US" dirty="0" smtClean="0">
+              <a:sym typeface="Wingdings" panose="05000000000000000000" pitchFamily="2" charset="2"/>
+            </a:endParaRPr>
+          </a:p>
+          <a:p>
+            <a:pPr marL="914400" lvl="1" indent="-457200">
+              <a:buFont typeface="+mj-lt"/>
+              <a:buAutoNum type="arabicPeriod"/>
+            </a:pPr>
+            <a:endParaRPr lang="en-US" dirty="0" smtClean="0"/>
+          </a:p>
+          <a:p>
+            <a:endParaRPr lang="en-US" dirty="0" smtClean="0"/>
+          </a:p>
+          <a:p>
+            <a:endParaRPr lang="en-US" dirty="0"/>
+          </a:p>
+        </p:txBody>
+      </p:sp>
+    </p:spTree>
+    <p:extLst>
+      <p:ext uri="{BB962C8B-B14F-4D97-AF65-F5344CB8AC3E}">
+        <p14:creationId xmlns:p14="http://schemas.microsoft.com/office/powerpoint/2010/main" val="1424702135"/>
       </p:ext>
     </p:extLst>
   </p:cSld>
